--- a/Files/Project_II.pptx
+++ b/Files/Project_II.pptx
@@ -17,6 +17,9 @@
     <p:sldId id="269" r:id="rId14"/>
     <p:sldId id="270" r:id="rId15"/>
     <p:sldId id="271" r:id="rId16"/>
+    <p:sldId id="274" r:id="rId17"/>
+    <p:sldId id="275" r:id="rId18"/>
+    <p:sldId id="273" r:id="rId19"/>
   </p:sldIdLst>
   <p:sldSz cx="12192000" cy="6858000"/>
   <p:notesSz cx="6858000" cy="9144000"/>
@@ -3604,7 +3607,7 @@
           <a:p>
             <a:fld id="{EA0C0817-A112-4847-8014-A94B7D2A4EA3}" type="datetime1">
               <a:rPr lang="en-US" smtClean="0"/>
-              <a:t>7/13/2020</a:t>
+              <a:t>7/14/2020</a:t>
             </a:fld>
             <a:endParaRPr lang="en-US" dirty="0"/>
           </a:p>
@@ -3806,7 +3809,7 @@
           <a:p>
             <a:fld id="{7332B432-ACDA-4023-A761-2BAB76577B62}" type="datetime1">
               <a:rPr lang="en-US" smtClean="0"/>
-              <a:t>7/13/2020</a:t>
+              <a:t>7/14/2020</a:t>
             </a:fld>
             <a:endParaRPr lang="en-US" dirty="0"/>
           </a:p>
@@ -4405,7 +4408,7 @@
           <a:p>
             <a:fld id="{D9C646AA-F36E-4540-911D-FFFC0A0EF24A}" type="datetime1">
               <a:rPr lang="en-US" smtClean="0"/>
-              <a:t>7/13/2020</a:t>
+              <a:t>7/14/2020</a:t>
             </a:fld>
             <a:endParaRPr lang="en-US" dirty="0"/>
           </a:p>
@@ -4725,7 +4728,7 @@
           <a:p>
             <a:fld id="{69186D26-FA5F-4637-B602-B7C2DC34CFD4}" type="datetime1">
               <a:rPr lang="en-US" smtClean="0"/>
-              <a:t>7/13/2020</a:t>
+              <a:t>7/14/2020</a:t>
             </a:fld>
             <a:endParaRPr lang="en-US" dirty="0"/>
           </a:p>
@@ -5162,7 +5165,7 @@
           <a:p>
             <a:fld id="{8A7F15D8-96D1-4781-BC50-CA8A088B2FE4}" type="datetime1">
               <a:rPr lang="en-US" smtClean="0"/>
-              <a:t>7/13/2020</a:t>
+              <a:t>7/14/2020</a:t>
             </a:fld>
             <a:endParaRPr lang="en-US" dirty="0"/>
           </a:p>
@@ -5280,7 +5283,7 @@
           <a:p>
             <a:fld id="{F9A96C99-B8F8-4528-BD05-0E16E943DC09}" type="datetime1">
               <a:rPr lang="en-US" smtClean="0"/>
-              <a:t>7/13/2020</a:t>
+              <a:t>7/14/2020</a:t>
             </a:fld>
             <a:endParaRPr lang="en-US" dirty="0"/>
           </a:p>
@@ -5375,7 +5378,7 @@
           <a:p>
             <a:fld id="{03636942-C211-4B28-8DBD-C953E00AF71B}" type="datetime1">
               <a:rPr lang="en-US" smtClean="0"/>
-              <a:t>7/13/2020</a:t>
+              <a:t>7/14/2020</a:t>
             </a:fld>
             <a:endParaRPr lang="en-US" dirty="0"/>
           </a:p>
@@ -5792,7 +5795,7 @@
           <a:p>
             <a:fld id="{7E8D12A6-918A-48BD-8CB9-CA713993B0EA}" type="datetime1">
               <a:rPr lang="en-US" smtClean="0"/>
-              <a:t>7/13/2020</a:t>
+              <a:t>7/14/2020</a:t>
             </a:fld>
             <a:endParaRPr lang="en-US" dirty="0"/>
           </a:p>
@@ -6054,7 +6057,7 @@
             <a:fld id="{E778CE86-875F-4587-BCF6-FA054AFC0D53}" type="datetime1">
               <a:rPr lang="en-US" smtClean="0"/>
               <a:pPr/>
-              <a:t>7/13/2020</a:t>
+              <a:t>7/14/2020</a:t>
             </a:fld>
             <a:endParaRPr lang="en-US" dirty="0"/>
           </a:p>
@@ -6570,7 +6573,7 @@
           <a:p>
             <a:fld id="{F6FA2B21-3FCD-4721-B95C-427943F61125}" type="datetime1">
               <a:rPr lang="en-US" smtClean="0"/>
-              <a:t>7/13/2020</a:t>
+              <a:t>7/14/2020</a:t>
             </a:fld>
             <a:endParaRPr lang="en-US" dirty="0"/>
           </a:p>
@@ -7989,7 +7992,7 @@
                 </a:solidFill>
                 <a:latin typeface="helvetica neue"/>
               </a:rPr>
-              <a:t>Added check boxes to the right-hand side of the of the web page to allow user to select various crimes to be visualized</a:t>
+              <a:t>Added check boxes to the right-hand side of the web page to allow user to select various crimes to be visualized</a:t>
             </a:r>
           </a:p>
           <a:p>
@@ -8040,7 +8043,7 @@
                 </a:solidFill>
                 <a:latin typeface="helvetica neue"/>
               </a:rPr>
-              <a:t>Added interactivity with a pop up that shows the date, crime type and location of each crime when a pin is clicked</a:t>
+              <a:t>Added interactivity with a pop up that shows the date, crime type, and location of each crime when a pin is clicked</a:t>
             </a:r>
           </a:p>
           <a:p>
@@ -8153,6 +8156,304 @@
     <p:extLst>
       <p:ext uri="{BB962C8B-B14F-4D97-AF65-F5344CB8AC3E}">
         <p14:creationId xmlns:p14="http://schemas.microsoft.com/office/powerpoint/2010/main" val="2173298093"/>
+      </p:ext>
+    </p:extLst>
+  </p:cSld>
+  <p:clrMapOvr>
+    <a:masterClrMapping/>
+  </p:clrMapOvr>
+</p:sld>
+</file>
+
+<file path=ppt/slides/slide13.xml><?xml version="1.0" encoding="utf-8"?>
+<p:sld xmlns:a="http://schemas.openxmlformats.org/drawingml/2006/main" xmlns:r="http://schemas.openxmlformats.org/officeDocument/2006/relationships" xmlns:p="http://schemas.openxmlformats.org/presentationml/2006/main">
+  <p:cSld>
+    <p:spTree>
+      <p:nvGrpSpPr>
+        <p:cNvPr id="1" name=""/>
+        <p:cNvGrpSpPr/>
+        <p:nvPr/>
+      </p:nvGrpSpPr>
+      <p:grpSpPr>
+        <a:xfrm>
+          <a:off x="0" y="0"/>
+          <a:ext cx="0" cy="0"/>
+          <a:chOff x="0" y="0"/>
+          <a:chExt cx="0" cy="0"/>
+        </a:xfrm>
+      </p:grpSpPr>
+      <p:sp>
+        <p:nvSpPr>
+          <p:cNvPr id="2" name="Title 1">
+            <a:extLst>
+              <a:ext uri="{FF2B5EF4-FFF2-40B4-BE49-F238E27FC236}">
+                <a16:creationId xmlns:a16="http://schemas.microsoft.com/office/drawing/2014/main" id="{991CBDD4-74A1-46F4-A896-05D945F96780}"/>
+              </a:ext>
+            </a:extLst>
+          </p:cNvPr>
+          <p:cNvSpPr>
+            <a:spLocks noGrp="1"/>
+          </p:cNvSpPr>
+          <p:nvPr>
+            <p:ph type="title"/>
+          </p:nvPr>
+        </p:nvSpPr>
+        <p:spPr/>
+        <p:txBody>
+          <a:bodyPr/>
+          <a:lstStyle/>
+          <a:p>
+            <a:r>
+              <a:rPr lang="en-US" dirty="0"/>
+              <a:t>demonstration</a:t>
+            </a:r>
+          </a:p>
+        </p:txBody>
+      </p:sp>
+    </p:spTree>
+    <p:extLst>
+      <p:ext uri="{BB962C8B-B14F-4D97-AF65-F5344CB8AC3E}">
+        <p14:creationId xmlns:p14="http://schemas.microsoft.com/office/powerpoint/2010/main" val="30977658"/>
+      </p:ext>
+    </p:extLst>
+  </p:cSld>
+  <p:clrMapOvr>
+    <a:masterClrMapping/>
+  </p:clrMapOvr>
+</p:sld>
+</file>
+
+<file path=ppt/slides/slide14.xml><?xml version="1.0" encoding="utf-8"?>
+<p:sld xmlns:a="http://schemas.openxmlformats.org/drawingml/2006/main" xmlns:r="http://schemas.openxmlformats.org/officeDocument/2006/relationships" xmlns:p="http://schemas.openxmlformats.org/presentationml/2006/main">
+  <p:cSld>
+    <p:spTree>
+      <p:nvGrpSpPr>
+        <p:cNvPr id="1" name=""/>
+        <p:cNvGrpSpPr/>
+        <p:nvPr/>
+      </p:nvGrpSpPr>
+      <p:grpSpPr>
+        <a:xfrm>
+          <a:off x="0" y="0"/>
+          <a:ext cx="0" cy="0"/>
+          <a:chOff x="0" y="0"/>
+          <a:chExt cx="0" cy="0"/>
+        </a:xfrm>
+      </p:grpSpPr>
+      <p:sp>
+        <p:nvSpPr>
+          <p:cNvPr id="2" name="Title 1">
+            <a:extLst>
+              <a:ext uri="{FF2B5EF4-FFF2-40B4-BE49-F238E27FC236}">
+                <a16:creationId xmlns:a16="http://schemas.microsoft.com/office/drawing/2014/main" id="{991CBDD4-74A1-46F4-A896-05D945F96780}"/>
+              </a:ext>
+            </a:extLst>
+          </p:cNvPr>
+          <p:cNvSpPr>
+            <a:spLocks noGrp="1"/>
+          </p:cNvSpPr>
+          <p:nvPr>
+            <p:ph type="title"/>
+          </p:nvPr>
+        </p:nvSpPr>
+        <p:spPr/>
+        <p:txBody>
+          <a:bodyPr/>
+          <a:lstStyle/>
+          <a:p>
+            <a:r>
+              <a:rPr lang="en-US" dirty="0"/>
+              <a:t>Next steps</a:t>
+            </a:r>
+          </a:p>
+        </p:txBody>
+      </p:sp>
+    </p:spTree>
+    <p:extLst>
+      <p:ext uri="{BB962C8B-B14F-4D97-AF65-F5344CB8AC3E}">
+        <p14:creationId xmlns:p14="http://schemas.microsoft.com/office/powerpoint/2010/main" val="4202541240"/>
+      </p:ext>
+    </p:extLst>
+  </p:cSld>
+  <p:clrMapOvr>
+    <a:masterClrMapping/>
+  </p:clrMapOvr>
+</p:sld>
+</file>
+
+<file path=ppt/slides/slide15.xml><?xml version="1.0" encoding="utf-8"?>
+<p:sld xmlns:a="http://schemas.openxmlformats.org/drawingml/2006/main" xmlns:r="http://schemas.openxmlformats.org/officeDocument/2006/relationships" xmlns:p="http://schemas.openxmlformats.org/presentationml/2006/main">
+  <p:cSld>
+    <p:spTree>
+      <p:nvGrpSpPr>
+        <p:cNvPr id="1" name=""/>
+        <p:cNvGrpSpPr/>
+        <p:nvPr/>
+      </p:nvGrpSpPr>
+      <p:grpSpPr>
+        <a:xfrm>
+          <a:off x="0" y="0"/>
+          <a:ext cx="0" cy="0"/>
+          <a:chOff x="0" y="0"/>
+          <a:chExt cx="0" cy="0"/>
+        </a:xfrm>
+      </p:grpSpPr>
+      <p:sp>
+        <p:nvSpPr>
+          <p:cNvPr id="6" name="Title 5">
+            <a:extLst>
+              <a:ext uri="{FF2B5EF4-FFF2-40B4-BE49-F238E27FC236}">
+                <a16:creationId xmlns:a16="http://schemas.microsoft.com/office/drawing/2014/main" id="{F61BC912-6107-4684-8E78-9A202AFD484B}"/>
+              </a:ext>
+            </a:extLst>
+          </p:cNvPr>
+          <p:cNvSpPr>
+            <a:spLocks noGrp="1"/>
+          </p:cNvSpPr>
+          <p:nvPr>
+            <p:ph type="title"/>
+          </p:nvPr>
+        </p:nvSpPr>
+        <p:spPr>
+          <a:xfrm>
+            <a:off x="8458200" y="607392"/>
+            <a:ext cx="3161963" cy="632472"/>
+          </a:xfrm>
+        </p:spPr>
+        <p:txBody>
+          <a:bodyPr/>
+          <a:lstStyle/>
+          <a:p>
+            <a:r>
+              <a:rPr lang="en-US" dirty="0"/>
+              <a:t>Next Steps</a:t>
+            </a:r>
+          </a:p>
+        </p:txBody>
+      </p:sp>
+      <p:sp>
+        <p:nvSpPr>
+          <p:cNvPr id="8" name="Content Placeholder 7">
+            <a:extLst>
+              <a:ext uri="{FF2B5EF4-FFF2-40B4-BE49-F238E27FC236}">
+                <a16:creationId xmlns:a16="http://schemas.microsoft.com/office/drawing/2014/main" id="{B2D5C692-FFA6-4FB4-888F-AABAE1DB51AB}"/>
+              </a:ext>
+            </a:extLst>
+          </p:cNvPr>
+          <p:cNvSpPr>
+            <a:spLocks noGrp="1"/>
+          </p:cNvSpPr>
+          <p:nvPr>
+            <p:ph idx="1"/>
+          </p:nvPr>
+        </p:nvSpPr>
+        <p:spPr>
+          <a:xfrm>
+            <a:off x="488197" y="309966"/>
+            <a:ext cx="7206711" cy="5633634"/>
+          </a:xfrm>
+        </p:spPr>
+        <p:txBody>
+          <a:bodyPr>
+            <a:normAutofit/>
+          </a:bodyPr>
+          <a:lstStyle/>
+          <a:p>
+            <a:pPr marL="0" indent="0">
+              <a:buNone/>
+            </a:pPr>
+            <a:r>
+              <a:rPr lang="en-US" sz="2000" b="1" dirty="0"/>
+              <a:t>With More Time We Would Like to Do the Following</a:t>
+            </a:r>
+          </a:p>
+          <a:p>
+            <a:r>
+              <a:rPr lang="en-US" dirty="0">
+                <a:solidFill>
+                  <a:srgbClr val="525252"/>
+                </a:solidFill>
+                <a:latin typeface="helvetica neue"/>
+              </a:rPr>
+              <a:t>Replace the radio buttons that control the year shown with a slider that the user moves to select specific years</a:t>
+            </a:r>
+          </a:p>
+          <a:p>
+            <a:r>
+              <a:rPr lang="en-US" dirty="0">
+                <a:solidFill>
+                  <a:srgbClr val="525252"/>
+                </a:solidFill>
+                <a:latin typeface="helvetica neue"/>
+              </a:rPr>
+              <a:t>When zoomed out, have the crimes shown with a heatmap that transitions to pins when the user zooms in on a specific area</a:t>
+            </a:r>
+          </a:p>
+          <a:p>
+            <a:r>
+              <a:rPr lang="en-US" dirty="0">
+                <a:solidFill>
+                  <a:srgbClr val="525252"/>
+                </a:solidFill>
+                <a:latin typeface="helvetica neue"/>
+              </a:rPr>
+              <a:t>Find data sources that allow for the expansion of the years available for analysis</a:t>
+            </a:r>
+          </a:p>
+          <a:p>
+            <a:endParaRPr lang="en-US" b="1" dirty="0">
+              <a:solidFill>
+                <a:srgbClr val="525252"/>
+              </a:solidFill>
+              <a:latin typeface="helvetica neue"/>
+            </a:endParaRPr>
+          </a:p>
+          <a:p>
+            <a:pPr marL="0" indent="0">
+              <a:buNone/>
+            </a:pPr>
+            <a:r>
+              <a:rPr lang="en-US" b="1" dirty="0">
+                <a:solidFill>
+                  <a:srgbClr val="525252"/>
+                </a:solidFill>
+                <a:latin typeface="helvetica neue"/>
+              </a:rPr>
+              <a:t>	</a:t>
+            </a:r>
+            <a:endParaRPr lang="en-US" b="1" dirty="0"/>
+          </a:p>
+          <a:p>
+            <a:pPr>
+              <a:lnSpc>
+                <a:spcPct val="120000"/>
+              </a:lnSpc>
+            </a:pPr>
+            <a:endParaRPr lang="en-US" dirty="0">
+              <a:solidFill>
+                <a:srgbClr val="525252"/>
+              </a:solidFill>
+              <a:latin typeface="helvetica neue"/>
+            </a:endParaRPr>
+          </a:p>
+          <a:p>
+            <a:pPr marL="0" indent="0" algn="ctr">
+              <a:buNone/>
+            </a:pPr>
+            <a:endParaRPr lang="en-US" b="1" i="0" u="sng" dirty="0">
+              <a:solidFill>
+                <a:srgbClr val="525252"/>
+              </a:solidFill>
+              <a:effectLst/>
+              <a:latin typeface="helvetica neue"/>
+            </a:endParaRPr>
+          </a:p>
+        </p:txBody>
+      </p:sp>
+    </p:spTree>
+    <p:extLst>
+      <p:ext uri="{BB962C8B-B14F-4D97-AF65-F5344CB8AC3E}">
+        <p14:creationId xmlns:p14="http://schemas.microsoft.com/office/powerpoint/2010/main" val="2669973786"/>
       </p:ext>
     </p:extLst>
   </p:cSld>
@@ -8347,7 +8648,7 @@
           <a:p>
             <a:r>
               <a:rPr lang="en-US" dirty="0"/>
-              <a:t>Create a web-based application that allows users to visualize Chicago area crime data and local median income information year-by-year and for user selected crimes over a ten-year period</a:t>
+              <a:t>Create a web-based application that allows users to visualize Chicago area crime data and local median income information year-by-year and for user selected crimes over an eight-year period</a:t>
             </a:r>
           </a:p>
         </p:txBody>
@@ -10130,21 +10431,21 @@
 </file>
 
 <file path=customXml/item2.xml><?xml version="1.0" encoding="utf-8"?>
+<?mso-contentType ?>
+<FormTemplates xmlns="http://schemas.microsoft.com/sharepoint/v3/contenttype/forms">
+  <Display>DocumentLibraryForm</Display>
+  <Edit>DocumentLibraryForm</Edit>
+  <New>DocumentLibraryForm</New>
+</FormTemplates>
+</file>
+
+<file path=customXml/item3.xml><?xml version="1.0" encoding="utf-8"?>
 <p:properties xmlns:p="http://schemas.microsoft.com/office/2006/metadata/properties" xmlns:xsi="http://www.w3.org/2001/XMLSchema-instance" xmlns:pc="http://schemas.microsoft.com/office/infopath/2007/PartnerControls">
   <documentManagement>
     <Status xmlns="71af3243-3dd4-4a8d-8c0d-dd76da1f02a5">Not started</Status>
     <MediaServiceKeyPoints xmlns="71af3243-3dd4-4a8d-8c0d-dd76da1f02a5" xsi:nil="true"/>
   </documentManagement>
 </p:properties>
-</file>
-
-<file path=customXml/item3.xml><?xml version="1.0" encoding="utf-8"?>
-<?mso-contentType ?>
-<FormTemplates xmlns="http://schemas.microsoft.com/sharepoint/v3/contenttype/forms">
-  <Display>DocumentLibraryForm</Display>
-  <Edit>DocumentLibraryForm</Edit>
-  <New>DocumentLibraryForm</New>
-</FormTemplates>
 </file>
 
 <file path=customXml/itemProps1.xml><?xml version="1.0" encoding="utf-8"?>
@@ -10167,6 +10468,14 @@
 </file>
 
 <file path=customXml/itemProps2.xml><?xml version="1.0" encoding="utf-8"?>
+<ds:datastoreItem xmlns:ds="http://schemas.openxmlformats.org/officeDocument/2006/customXml" ds:itemID="{CDB58277-F8DF-46FF-84EC-EF41B835E69F}">
+  <ds:schemaRefs>
+    <ds:schemaRef ds:uri="http://schemas.microsoft.com/sharepoint/v3/contenttype/forms"/>
+  </ds:schemaRefs>
+</ds:datastoreItem>
+</file>
+
+<file path=customXml/itemProps3.xml><?xml version="1.0" encoding="utf-8"?>
 <ds:datastoreItem xmlns:ds="http://schemas.openxmlformats.org/officeDocument/2006/customXml" ds:itemID="{137651BA-F45C-4845-9AB3-E0A65B39F5E1}">
   <ds:schemaRefs>
     <ds:schemaRef ds:uri="http://schemas.microsoft.com/office/2006/metadata/properties"/>
@@ -10174,12 +10483,4 @@
     <ds:schemaRef ds:uri="71af3243-3dd4-4a8d-8c0d-dd76da1f02a5"/>
   </ds:schemaRefs>
 </ds:datastoreItem>
-</file>
-
-<file path=customXml/itemProps3.xml><?xml version="1.0" encoding="utf-8"?>
-<ds:datastoreItem xmlns:ds="http://schemas.openxmlformats.org/officeDocument/2006/customXml" ds:itemID="{CDB58277-F8DF-46FF-84EC-EF41B835E69F}">
-  <ds:schemaRefs>
-    <ds:schemaRef ds:uri="http://schemas.microsoft.com/sharepoint/v3/contenttype/forms"/>
-  </ds:schemaRefs>
-</ds:datastoreItem>
 </file>
--- a/Files/Project_II.pptx
+++ b/Files/Project_II.pptx
@@ -15,11 +15,12 @@
     <p:sldId id="267" r:id="rId12"/>
     <p:sldId id="272" r:id="rId13"/>
     <p:sldId id="269" r:id="rId14"/>
-    <p:sldId id="270" r:id="rId15"/>
-    <p:sldId id="271" r:id="rId16"/>
-    <p:sldId id="274" r:id="rId17"/>
-    <p:sldId id="275" r:id="rId18"/>
-    <p:sldId id="273" r:id="rId19"/>
+    <p:sldId id="276" r:id="rId15"/>
+    <p:sldId id="270" r:id="rId16"/>
+    <p:sldId id="271" r:id="rId17"/>
+    <p:sldId id="274" r:id="rId18"/>
+    <p:sldId id="275" r:id="rId19"/>
+    <p:sldId id="273" r:id="rId20"/>
   </p:sldIdLst>
   <p:sldSz cx="12192000" cy="6858000"/>
   <p:notesSz cx="6858000" cy="9144000"/>
@@ -7326,7 +7327,7 @@
         </p:spPr>
         <p:txBody>
           <a:bodyPr>
-            <a:normAutofit fontScale="77500" lnSpcReduction="20000"/>
+            <a:normAutofit/>
           </a:bodyPr>
           <a:lstStyle/>
           <a:p>
@@ -7335,163 +7336,145 @@
             </a:pPr>
             <a:r>
               <a:rPr lang="en-US" sz="2000" b="1" dirty="0"/>
-              <a:t>Created Default Map and Settings for Landing Page</a:t>
-            </a:r>
-          </a:p>
-          <a:p>
-            <a:r>
-              <a:rPr lang="en-US" dirty="0">
-                <a:solidFill>
-                  <a:srgbClr val="525252"/>
-                </a:solidFill>
-                <a:latin typeface="helvetica neue"/>
+              <a:t>Flask </a:t>
+            </a:r>
+            <a:r>
+              <a:rPr lang="en-US" sz="2000" b="1" dirty="0" err="1"/>
+              <a:t>SQLAlchemy</a:t>
+            </a:r>
+            <a:endParaRPr lang="en-US" sz="2000" b="1" dirty="0"/>
+          </a:p>
+          <a:p>
+            <a:r>
+              <a:rPr lang="en-US" sz="2000" b="0" i="0" dirty="0">
+                <a:solidFill>
+                  <a:srgbClr val="1D1C1D"/>
+                </a:solidFill>
+                <a:effectLst/>
+                <a:latin typeface="Slack-Lato"/>
               </a:rPr>
               <a:t>Used </a:t>
             </a:r>
             <a:r>
-              <a:rPr lang="en-US" dirty="0" err="1">
-                <a:solidFill>
-                  <a:srgbClr val="525252"/>
-                </a:solidFill>
-                <a:latin typeface="helvetica neue"/>
+              <a:rPr lang="en-US" sz="2000" b="0" i="0" dirty="0" err="1">
+                <a:solidFill>
+                  <a:srgbClr val="1D1C1D"/>
+                </a:solidFill>
+                <a:effectLst/>
+                <a:latin typeface="Slack-Lato"/>
               </a:rPr>
-              <a:t>L.map</a:t>
-            </a:r>
-            <a:r>
-              <a:rPr lang="en-US" dirty="0">
-                <a:solidFill>
-                  <a:srgbClr val="525252"/>
-                </a:solidFill>
-                <a:latin typeface="helvetica neue"/>
+              <a:t>SQLAlchemy</a:t>
+            </a:r>
+            <a:r>
+              <a:rPr lang="en-US" sz="2000" b="0" i="0" dirty="0">
+                <a:solidFill>
+                  <a:srgbClr val="1D1C1D"/>
+                </a:solidFill>
+                <a:effectLst/>
+                <a:latin typeface="Slack-Lato"/>
               </a:rPr>
-              <a:t> to create base map location in Chicago and to set zoom level</a:t>
-            </a:r>
-          </a:p>
-          <a:p>
-            <a:r>
-              <a:rPr lang="en-US" dirty="0">
-                <a:solidFill>
-                  <a:srgbClr val="525252"/>
-                </a:solidFill>
-                <a:latin typeface="helvetica neue"/>
+              <a:t> to connect to the </a:t>
+            </a:r>
+            <a:r>
+              <a:rPr lang="en-US" sz="2000" b="0" i="0" dirty="0" err="1">
+                <a:solidFill>
+                  <a:srgbClr val="1D1C1D"/>
+                </a:solidFill>
+                <a:effectLst/>
+                <a:latin typeface="Slack-Lato"/>
               </a:rPr>
-              <a:t>Added tile layer using </a:t>
-            </a:r>
-            <a:r>
-              <a:rPr lang="en-US" dirty="0" err="1">
-                <a:solidFill>
-                  <a:srgbClr val="525252"/>
-                </a:solidFill>
-                <a:latin typeface="helvetica neue"/>
+              <a:t>sqlite</a:t>
+            </a:r>
+            <a:r>
+              <a:rPr lang="en-US" sz="2000" b="0" i="0" dirty="0">
+                <a:solidFill>
+                  <a:srgbClr val="1D1C1D"/>
+                </a:solidFill>
+                <a:effectLst/>
+                <a:latin typeface="Slack-Lato"/>
               </a:rPr>
-              <a:t>mapbox</a:t>
-            </a:r>
-            <a:r>
-              <a:rPr lang="en-US" dirty="0">
-                <a:solidFill>
-                  <a:srgbClr val="525252"/>
-                </a:solidFill>
-                <a:latin typeface="helvetica neue"/>
+              <a:t> database </a:t>
+            </a:r>
+          </a:p>
+          <a:p>
+            <a:r>
+              <a:rPr lang="en-US" sz="2000" b="0" i="0" dirty="0">
+                <a:solidFill>
+                  <a:srgbClr val="1D1C1D"/>
+                </a:solidFill>
+                <a:effectLst/>
+                <a:latin typeface="Slack-Lato"/>
               </a:rPr>
-              <a:t> and </a:t>
-            </a:r>
-            <a:r>
-              <a:rPr lang="en-US" dirty="0" err="1">
-                <a:solidFill>
-                  <a:srgbClr val="525252"/>
-                </a:solidFill>
-                <a:latin typeface="helvetica neue"/>
+              <a:t>Using </a:t>
+            </a:r>
+            <a:r>
+              <a:rPr lang="en-US" sz="2000" b="0" i="0" dirty="0" err="1">
+                <a:solidFill>
+                  <a:srgbClr val="1D1C1D"/>
+                </a:solidFill>
+                <a:effectLst/>
+                <a:latin typeface="Slack-Lato"/>
               </a:rPr>
-              <a:t>openstreetmap</a:t>
-            </a:r>
-            <a:endParaRPr lang="en-US" dirty="0">
-              <a:solidFill>
-                <a:srgbClr val="525252"/>
-              </a:solidFill>
-              <a:latin typeface="helvetica neue"/>
-            </a:endParaRPr>
-          </a:p>
-          <a:p>
-            <a:r>
-              <a:rPr lang="en-US" dirty="0">
-                <a:solidFill>
-                  <a:srgbClr val="525252"/>
-                </a:solidFill>
-                <a:latin typeface="helvetica neue"/>
+              <a:t>sql</a:t>
+            </a:r>
+            <a:r>
+              <a:rPr lang="en-US" sz="2000" b="0" i="0" dirty="0">
+                <a:solidFill>
+                  <a:srgbClr val="1D1C1D"/>
+                </a:solidFill>
+                <a:effectLst/>
+                <a:latin typeface="Slack-Lato"/>
               </a:rPr>
-              <a:t>Defined base year as 2018 which was then used to pull the median income data from the appropriate </a:t>
-            </a:r>
-            <a:r>
-              <a:rPr lang="en-US" dirty="0" err="1">
-                <a:solidFill>
-                  <a:srgbClr val="525252"/>
-                </a:solidFill>
-                <a:latin typeface="helvetica neue"/>
+              <a:t> (select statement) queried the crimes data table to pull all the crime data</a:t>
+            </a:r>
+          </a:p>
+          <a:p>
+            <a:r>
+              <a:rPr lang="en-US" sz="2000" b="0" i="0" dirty="0">
+                <a:solidFill>
+                  <a:srgbClr val="1D1C1D"/>
+                </a:solidFill>
+                <a:effectLst/>
+                <a:latin typeface="Slack-Lato"/>
               </a:rPr>
-              <a:t>GeoJSON</a:t>
-            </a:r>
-            <a:r>
-              <a:rPr lang="en-US" dirty="0">
-                <a:solidFill>
-                  <a:srgbClr val="525252"/>
-                </a:solidFill>
-                <a:latin typeface="helvetica neue"/>
+              <a:t>Used python to convert query results to objects of key-value pairs and </a:t>
+            </a:r>
+            <a:r>
+              <a:rPr lang="en-US" sz="2000" b="0" i="0" dirty="0" err="1">
+                <a:solidFill>
+                  <a:srgbClr val="1D1C1D"/>
+                </a:solidFill>
+                <a:effectLst/>
+                <a:latin typeface="Slack-Lato"/>
               </a:rPr>
-              <a:t> file</a:t>
-            </a:r>
-          </a:p>
-          <a:p>
-            <a:r>
-              <a:rPr lang="en-US" dirty="0" err="1">
-                <a:solidFill>
-                  <a:srgbClr val="525252"/>
-                </a:solidFill>
-                <a:latin typeface="helvetica neue"/>
+              <a:t>jsonified</a:t>
+            </a:r>
+            <a:r>
+              <a:rPr lang="en-US" sz="2000" b="0" i="0" dirty="0">
+                <a:solidFill>
+                  <a:srgbClr val="1D1C1D"/>
+                </a:solidFill>
+                <a:effectLst/>
+                <a:latin typeface="Slack-Lato"/>
               </a:rPr>
-              <a:t>GeoJSON</a:t>
-            </a:r>
-            <a:r>
-              <a:rPr lang="en-US" dirty="0">
-                <a:solidFill>
-                  <a:srgbClr val="525252"/>
-                </a:solidFill>
-                <a:latin typeface="helvetica neue"/>
+              <a:t> the return values writing them into a json file</a:t>
+            </a:r>
+          </a:p>
+          <a:p>
+            <a:r>
+              <a:rPr lang="en-US" sz="2000" b="0" i="0" dirty="0">
+                <a:solidFill>
+                  <a:srgbClr val="1D1C1D"/>
+                </a:solidFill>
+                <a:effectLst/>
+                <a:latin typeface="Slack-Lato"/>
               </a:rPr>
-              <a:t> data was used to populate each tract with colors determined by the values set for each range of median incomes for all tracts</a:t>
-            </a:r>
-          </a:p>
-          <a:p>
-            <a:r>
-              <a:rPr lang="en-US" dirty="0">
-                <a:solidFill>
-                  <a:srgbClr val="525252"/>
-                </a:solidFill>
-                <a:latin typeface="helvetica neue"/>
-              </a:rPr>
-              <a:t>Using the assigned colors, created legend for median income data based on the base year of 2018</a:t>
-            </a:r>
-          </a:p>
-          <a:p>
-            <a:r>
-              <a:rPr lang="en-US" dirty="0">
-                <a:solidFill>
-                  <a:srgbClr val="525252"/>
-                </a:solidFill>
-                <a:latin typeface="helvetica neue"/>
-              </a:rPr>
-              <a:t>Added control boxes to allow user to select crimes for the base year to be visualized on the map </a:t>
-            </a:r>
-          </a:p>
-          <a:p>
-            <a:r>
-              <a:rPr lang="en-US" dirty="0">
-                <a:solidFill>
-                  <a:srgbClr val="525252"/>
-                </a:solidFill>
-                <a:latin typeface="helvetica neue"/>
-              </a:rPr>
-              <a:t>Added interactivity in the form of pop up labels that on clicking a census tract show the number of the census tract along with its median income for 2018</a:t>
-            </a:r>
+              <a:t>Created the json crime file in the local folder</a:t>
+            </a:r>
+            <a:endParaRPr lang="en-US" sz="2000" dirty="0"/>
+          </a:p>
+          <a:p>
+            <a:endParaRPr lang="en-US" sz="2000" dirty="0"/>
           </a:p>
           <a:p>
             <a:pPr marL="0" indent="0">
@@ -7598,6 +7581,17 @@
           <a:p>
             <a:r>
               <a:rPr lang="en-US" b="1" dirty="0"/>
+              <a:t>Flask </a:t>
+            </a:r>
+            <a:r>
+              <a:rPr lang="en-US" b="1" dirty="0" err="1"/>
+              <a:t>SQLAlchemy</a:t>
+            </a:r>
+            <a:endParaRPr lang="en-US" b="1" dirty="0"/>
+          </a:p>
+          <a:p>
+            <a:r>
+              <a:rPr lang="en-US" dirty="0"/>
               <a:t>Base Layer</a:t>
             </a:r>
           </a:p>
@@ -7705,7 +7699,7 @@
         </p:spPr>
         <p:txBody>
           <a:bodyPr>
-            <a:normAutofit/>
+            <a:normAutofit fontScale="77500" lnSpcReduction="20000"/>
           </a:bodyPr>
           <a:lstStyle/>
           <a:p>
@@ -7714,7 +7708,7 @@
             </a:pPr>
             <a:r>
               <a:rPr lang="en-US" sz="2000" b="1" dirty="0"/>
-              <a:t>Created Radio Buttons for Year Selection</a:t>
+              <a:t>Created Default Map and Settings for Landing Page</a:t>
             </a:r>
           </a:p>
           <a:p>
@@ -7725,28 +7719,28 @@
                 </a:solidFill>
                 <a:latin typeface="helvetica neue"/>
               </a:rPr>
-              <a:t>Added radio buttons to the bottom of web page to allow user to select various years to be visualized</a:t>
-            </a:r>
-          </a:p>
-          <a:p>
-            <a:r>
-              <a:rPr lang="en-US" dirty="0">
+              <a:t>Used </a:t>
+            </a:r>
+            <a:r>
+              <a:rPr lang="en-US" dirty="0" err="1">
                 <a:solidFill>
                   <a:srgbClr val="525252"/>
                 </a:solidFill>
                 <a:latin typeface="helvetica neue"/>
               </a:rPr>
-              <a:t>Using </a:t>
-            </a:r>
-            <a:r>
-              <a:rPr lang="en-US" dirty="0" err="1">
+              <a:t>L.map</a:t>
+            </a:r>
+            <a:r>
+              <a:rPr lang="en-US" dirty="0">
                 <a:solidFill>
                   <a:srgbClr val="525252"/>
                 </a:solidFill>
                 <a:latin typeface="helvetica neue"/>
               </a:rPr>
-              <a:t>selectAll</a:t>
-            </a:r>
+              <a:t> to create base map location in Chicago and to set zoom level</a:t>
+            </a:r>
+          </a:p>
+          <a:p>
             <a:r>
               <a:rPr lang="en-US" dirty="0">
                 <a:solidFill>
@@ -7754,21 +7748,17 @@
                 </a:solidFill>
                 <a:latin typeface="helvetica neue"/>
               </a:rPr>
-              <a:t>, tracked changes to radio button selection</a:t>
-            </a:r>
-          </a:p>
-          <a:p>
-            <a:r>
-              <a:rPr lang="en-US" dirty="0">
+              <a:t>Added tile layer using </a:t>
+            </a:r>
+            <a:r>
+              <a:rPr lang="en-US" dirty="0" err="1">
                 <a:solidFill>
                   <a:srgbClr val="525252"/>
                 </a:solidFill>
                 <a:latin typeface="helvetica neue"/>
               </a:rPr>
-              <a:t>On change, updated median income map with census tract data for the selected year</a:t>
-            </a:r>
-          </a:p>
-          <a:p>
+              <a:t>mapbox</a:t>
+            </a:r>
             <a:r>
               <a:rPr lang="en-US" dirty="0">
                 <a:solidFill>
@@ -7776,8 +7766,124 @@
                 </a:solidFill>
                 <a:latin typeface="helvetica neue"/>
               </a:rPr>
-              <a:t>Selected year was set as a variable that would be used to retrieve crime data for that year when user chooses various crimes to be visualized</a:t>
-            </a:r>
+              <a:t> and </a:t>
+            </a:r>
+            <a:r>
+              <a:rPr lang="en-US" dirty="0" err="1">
+                <a:solidFill>
+                  <a:srgbClr val="525252"/>
+                </a:solidFill>
+                <a:latin typeface="helvetica neue"/>
+              </a:rPr>
+              <a:t>openstreetmap</a:t>
+            </a:r>
+            <a:endParaRPr lang="en-US" dirty="0">
+              <a:solidFill>
+                <a:srgbClr val="525252"/>
+              </a:solidFill>
+              <a:latin typeface="helvetica neue"/>
+            </a:endParaRPr>
+          </a:p>
+          <a:p>
+            <a:r>
+              <a:rPr lang="en-US" dirty="0">
+                <a:solidFill>
+                  <a:srgbClr val="525252"/>
+                </a:solidFill>
+                <a:latin typeface="helvetica neue"/>
+              </a:rPr>
+              <a:t>Defined base year as 2018 which was then used to pull the median income data from the appropriate </a:t>
+            </a:r>
+            <a:r>
+              <a:rPr lang="en-US" dirty="0" err="1">
+                <a:solidFill>
+                  <a:srgbClr val="525252"/>
+                </a:solidFill>
+                <a:latin typeface="helvetica neue"/>
+              </a:rPr>
+              <a:t>GeoJSON</a:t>
+            </a:r>
+            <a:r>
+              <a:rPr lang="en-US" dirty="0">
+                <a:solidFill>
+                  <a:srgbClr val="525252"/>
+                </a:solidFill>
+                <a:latin typeface="helvetica neue"/>
+              </a:rPr>
+              <a:t> file</a:t>
+            </a:r>
+          </a:p>
+          <a:p>
+            <a:r>
+              <a:rPr lang="en-US" dirty="0" err="1">
+                <a:solidFill>
+                  <a:srgbClr val="525252"/>
+                </a:solidFill>
+                <a:latin typeface="helvetica neue"/>
+              </a:rPr>
+              <a:t>GeoJSON</a:t>
+            </a:r>
+            <a:r>
+              <a:rPr lang="en-US" dirty="0">
+                <a:solidFill>
+                  <a:srgbClr val="525252"/>
+                </a:solidFill>
+                <a:latin typeface="helvetica neue"/>
+              </a:rPr>
+              <a:t> data was used to create a choropleth layer on the base map which populated each tract with colors representing median income grouping</a:t>
+            </a:r>
+          </a:p>
+          <a:p>
+            <a:r>
+              <a:rPr lang="en-US" dirty="0">
+                <a:solidFill>
+                  <a:srgbClr val="525252"/>
+                </a:solidFill>
+                <a:latin typeface="helvetica neue"/>
+              </a:rPr>
+              <a:t>Using the assigned colors, created legend for median income data based on the base year of 2018</a:t>
+            </a:r>
+          </a:p>
+          <a:p>
+            <a:r>
+              <a:rPr lang="en-US" dirty="0">
+                <a:solidFill>
+                  <a:srgbClr val="525252"/>
+                </a:solidFill>
+                <a:latin typeface="helvetica neue"/>
+              </a:rPr>
+              <a:t>Added control boxes to allow user to select crimes for the base year to be visualized on the map </a:t>
+            </a:r>
+          </a:p>
+          <a:p>
+            <a:r>
+              <a:rPr lang="en-US" dirty="0">
+                <a:solidFill>
+                  <a:srgbClr val="525252"/>
+                </a:solidFill>
+                <a:latin typeface="helvetica neue"/>
+              </a:rPr>
+              <a:t>Added interactivity in the form of pop up labels that on clicking a census tract show the number of the census tract along with its median income for 2018</a:t>
+            </a:r>
+          </a:p>
+          <a:p>
+            <a:pPr marL="0" indent="0">
+              <a:buNone/>
+            </a:pPr>
+            <a:endParaRPr lang="en-US" dirty="0">
+              <a:solidFill>
+                <a:srgbClr val="525252"/>
+              </a:solidFill>
+              <a:latin typeface="helvetica neue"/>
+            </a:endParaRPr>
+          </a:p>
+          <a:p>
+            <a:endParaRPr lang="en-US" dirty="0">
+              <a:solidFill>
+                <a:srgbClr val="525252"/>
+              </a:solidFill>
+              <a:latin typeface="helvetica neue"/>
+            </a:endParaRPr>
           </a:p>
           <a:p>
             <a:endParaRPr lang="en-US" dirty="0">
@@ -7865,12 +7971,23 @@
           <a:p>
             <a:r>
               <a:rPr lang="en-US" dirty="0"/>
+              <a:t>Flask </a:t>
+            </a:r>
+            <a:r>
+              <a:rPr lang="en-US" dirty="0" err="1"/>
+              <a:t>SQLAlchemy</a:t>
+            </a:r>
+            <a:endParaRPr lang="en-US" dirty="0"/>
+          </a:p>
+          <a:p>
+            <a:r>
+              <a:rPr lang="en-US" b="1" dirty="0"/>
               <a:t>Base Layer</a:t>
             </a:r>
           </a:p>
           <a:p>
             <a:r>
-              <a:rPr lang="en-US" b="1" dirty="0"/>
+              <a:rPr lang="en-US" dirty="0"/>
               <a:t>Radio Buttons</a:t>
             </a:r>
           </a:p>
@@ -7888,7 +8005,7 @@
     </p:spTree>
     <p:extLst>
       <p:ext uri="{BB962C8B-B14F-4D97-AF65-F5344CB8AC3E}">
-        <p14:creationId xmlns:p14="http://schemas.microsoft.com/office/powerpoint/2010/main" val="4106530000"/>
+        <p14:creationId xmlns:p14="http://schemas.microsoft.com/office/powerpoint/2010/main" val="3827948939"/>
       </p:ext>
     </p:extLst>
   </p:cSld>
@@ -7981,7 +8098,7 @@
             </a:pPr>
             <a:r>
               <a:rPr lang="en-US" sz="2000" b="1" dirty="0"/>
-              <a:t>Created Check Boxes for Crime Selection</a:t>
+              <a:t>Created Radio Buttons for Year Selection</a:t>
             </a:r>
           </a:p>
           <a:p>
@@ -7992,7 +8109,7 @@
                 </a:solidFill>
                 <a:latin typeface="helvetica neue"/>
               </a:rPr>
-              <a:t>Added check boxes to the right-hand side of the web page to allow user to select various crimes to be visualized</a:t>
+              <a:t>Added radio buttons to the bottom of web page to allow user to select various years to be visualized</a:t>
             </a:r>
           </a:p>
           <a:p>
@@ -8003,17 +8120,21 @@
                 </a:solidFill>
                 <a:latin typeface="helvetica neue"/>
               </a:rPr>
-              <a:t>When a crime is selected, relevant latitude and longitude coordinates are pulled from </a:t>
-            </a:r>
-            <a:r>
-              <a:rPr lang="en-US" dirty="0" err="1">
+              <a:t>Using d3.selectAll, tracked changes to radio button selection</a:t>
+            </a:r>
+          </a:p>
+          <a:p>
+            <a:r>
+              <a:rPr lang="en-US" dirty="0">
                 <a:solidFill>
                   <a:srgbClr val="525252"/>
                 </a:solidFill>
                 <a:latin typeface="helvetica neue"/>
               </a:rPr>
-              <a:t>sqlite</a:t>
-            </a:r>
+              <a:t>On change, updated median income map with census tract data for the selected year</a:t>
+            </a:r>
+          </a:p>
+          <a:p>
             <a:r>
               <a:rPr lang="en-US" dirty="0">
                 <a:solidFill>
@@ -8021,29 +8142,7 @@
                 </a:solidFill>
                 <a:latin typeface="helvetica neue"/>
               </a:rPr>
-              <a:t> database</a:t>
-            </a:r>
-          </a:p>
-          <a:p>
-            <a:r>
-              <a:rPr lang="en-US" dirty="0">
-                <a:solidFill>
-                  <a:srgbClr val="525252"/>
-                </a:solidFill>
-                <a:latin typeface="helvetica neue"/>
-              </a:rPr>
-              <a:t>Pins are then added to the map for the location of all occurrences of the newly selected crime in the selected year</a:t>
-            </a:r>
-          </a:p>
-          <a:p>
-            <a:r>
-              <a:rPr lang="en-US" dirty="0">
-                <a:solidFill>
-                  <a:srgbClr val="525252"/>
-                </a:solidFill>
-                <a:latin typeface="helvetica neue"/>
-              </a:rPr>
-              <a:t>Added interactivity with a pop up that shows the date, crime type, and location of each crime when a pin is clicked</a:t>
+              <a:t>Selected year was set as a variable that would be used to retrieve crime data for that year when user chooses various crimes to be visualized</a:t>
             </a:r>
           </a:p>
           <a:p>
@@ -8132,18 +8231,29 @@
           <a:p>
             <a:r>
               <a:rPr lang="en-US" dirty="0"/>
+              <a:t>Flask </a:t>
+            </a:r>
+            <a:r>
+              <a:rPr lang="en-US" dirty="0" err="1"/>
+              <a:t>SQLAlchemy</a:t>
+            </a:r>
+            <a:endParaRPr lang="en-US" dirty="0"/>
+          </a:p>
+          <a:p>
+            <a:r>
+              <a:rPr lang="en-US" dirty="0"/>
               <a:t>Base Layer</a:t>
             </a:r>
           </a:p>
           <a:p>
             <a:r>
+              <a:rPr lang="en-US" b="1" dirty="0"/>
+              <a:t>Radio Buttons</a:t>
+            </a:r>
+          </a:p>
+          <a:p>
+            <a:r>
               <a:rPr lang="en-US" dirty="0"/>
-              <a:t>Radio Buttons</a:t>
-            </a:r>
-          </a:p>
-          <a:p>
-            <a:r>
-              <a:rPr lang="en-US" b="1" dirty="0"/>
               <a:t>Check Boxes</a:t>
             </a:r>
           </a:p>
@@ -8155,7 +8265,7 @@
     </p:spTree>
     <p:extLst>
       <p:ext uri="{BB962C8B-B14F-4D97-AF65-F5344CB8AC3E}">
-        <p14:creationId xmlns:p14="http://schemas.microsoft.com/office/powerpoint/2010/main" val="2173298093"/>
+        <p14:creationId xmlns:p14="http://schemas.microsoft.com/office/powerpoint/2010/main" val="4106530000"/>
       </p:ext>
     </p:extLst>
   </p:cSld>
@@ -8184,10 +8294,10 @@
       </p:grpSpPr>
       <p:sp>
         <p:nvSpPr>
-          <p:cNvPr id="2" name="Title 1">
+          <p:cNvPr id="6" name="Title 5">
             <a:extLst>
               <a:ext uri="{FF2B5EF4-FFF2-40B4-BE49-F238E27FC236}">
-                <a16:creationId xmlns:a16="http://schemas.microsoft.com/office/drawing/2014/main" id="{991CBDD4-74A1-46F4-A896-05D945F96780}"/>
+                <a16:creationId xmlns:a16="http://schemas.microsoft.com/office/drawing/2014/main" id="{F61BC912-6107-4684-8E78-9A202AFD484B}"/>
               </a:ext>
             </a:extLst>
           </p:cNvPr>
@@ -8198,22 +8308,242 @@
             <p:ph type="title"/>
           </p:nvPr>
         </p:nvSpPr>
-        <p:spPr/>
+        <p:spPr>
+          <a:xfrm>
+            <a:off x="8458200" y="607392"/>
+            <a:ext cx="3161963" cy="1112920"/>
+          </a:xfrm>
+        </p:spPr>
         <p:txBody>
           <a:bodyPr/>
           <a:lstStyle/>
           <a:p>
             <a:r>
               <a:rPr lang="en-US" dirty="0"/>
-              <a:t>demonstration</a:t>
-            </a:r>
+              <a:t>Web Site Development</a:t>
+            </a:r>
+          </a:p>
+        </p:txBody>
+      </p:sp>
+      <p:sp>
+        <p:nvSpPr>
+          <p:cNvPr id="8" name="Content Placeholder 7">
+            <a:extLst>
+              <a:ext uri="{FF2B5EF4-FFF2-40B4-BE49-F238E27FC236}">
+                <a16:creationId xmlns:a16="http://schemas.microsoft.com/office/drawing/2014/main" id="{B2D5C692-FFA6-4FB4-888F-AABAE1DB51AB}"/>
+              </a:ext>
+            </a:extLst>
+          </p:cNvPr>
+          <p:cNvSpPr>
+            <a:spLocks noGrp="1"/>
+          </p:cNvSpPr>
+          <p:nvPr>
+            <p:ph idx="1"/>
+          </p:nvPr>
+        </p:nvSpPr>
+        <p:spPr>
+          <a:xfrm>
+            <a:off x="488197" y="309966"/>
+            <a:ext cx="7206711" cy="5633634"/>
+          </a:xfrm>
+        </p:spPr>
+        <p:txBody>
+          <a:bodyPr>
+            <a:normAutofit/>
+          </a:bodyPr>
+          <a:lstStyle/>
+          <a:p>
+            <a:pPr marL="0" indent="0">
+              <a:buNone/>
+            </a:pPr>
+            <a:r>
+              <a:rPr lang="en-US" sz="2000" b="1" dirty="0"/>
+              <a:t>Created Check Boxes for Crime Selection</a:t>
+            </a:r>
+          </a:p>
+          <a:p>
+            <a:r>
+              <a:rPr lang="en-US" dirty="0">
+                <a:solidFill>
+                  <a:srgbClr val="525252"/>
+                </a:solidFill>
+                <a:latin typeface="helvetica neue"/>
+              </a:rPr>
+              <a:t>Added check boxes to the right-hand side of the web page to allow user to select various crimes to be visualized</a:t>
+            </a:r>
+          </a:p>
+          <a:p>
+            <a:r>
+              <a:rPr lang="en-US" dirty="0">
+                <a:solidFill>
+                  <a:srgbClr val="525252"/>
+                </a:solidFill>
+                <a:latin typeface="helvetica neue"/>
+              </a:rPr>
+              <a:t>When a crime is selected, relevant latitude and longitude coordinates are pulled from </a:t>
+            </a:r>
+            <a:r>
+              <a:rPr lang="en-US" dirty="0" err="1">
+                <a:solidFill>
+                  <a:srgbClr val="525252"/>
+                </a:solidFill>
+                <a:latin typeface="helvetica neue"/>
+              </a:rPr>
+              <a:t>sqlite</a:t>
+            </a:r>
+            <a:r>
+              <a:rPr lang="en-US" dirty="0">
+                <a:solidFill>
+                  <a:srgbClr val="525252"/>
+                </a:solidFill>
+                <a:latin typeface="helvetica neue"/>
+              </a:rPr>
+              <a:t> database</a:t>
+            </a:r>
+          </a:p>
+          <a:p>
+            <a:r>
+              <a:rPr lang="en-US" dirty="0">
+                <a:solidFill>
+                  <a:srgbClr val="525252"/>
+                </a:solidFill>
+                <a:latin typeface="helvetica neue"/>
+              </a:rPr>
+              <a:t>Pins are then added to the map for the location of all occurrences of the newly selected crime in the selected year</a:t>
+            </a:r>
+          </a:p>
+          <a:p>
+            <a:r>
+              <a:rPr lang="en-US" dirty="0">
+                <a:solidFill>
+                  <a:srgbClr val="525252"/>
+                </a:solidFill>
+                <a:latin typeface="helvetica neue"/>
+              </a:rPr>
+              <a:t>Added interactivity with a pop up that shows the date, crime type, and location of each crime when a pin is clicked</a:t>
+            </a:r>
+          </a:p>
+          <a:p>
+            <a:endParaRPr lang="en-US" dirty="0">
+              <a:solidFill>
+                <a:srgbClr val="525252"/>
+              </a:solidFill>
+              <a:latin typeface="helvetica neue"/>
+            </a:endParaRPr>
+          </a:p>
+          <a:p>
+            <a:endParaRPr lang="en-US" b="1" dirty="0">
+              <a:solidFill>
+                <a:srgbClr val="525252"/>
+              </a:solidFill>
+              <a:latin typeface="helvetica neue"/>
+            </a:endParaRPr>
+          </a:p>
+          <a:p>
+            <a:pPr marL="0" indent="0">
+              <a:buNone/>
+            </a:pPr>
+            <a:r>
+              <a:rPr lang="en-US" b="1" dirty="0">
+                <a:solidFill>
+                  <a:srgbClr val="525252"/>
+                </a:solidFill>
+                <a:latin typeface="helvetica neue"/>
+              </a:rPr>
+              <a:t>	</a:t>
+            </a:r>
+            <a:endParaRPr lang="en-US" b="1" dirty="0"/>
+          </a:p>
+          <a:p>
+            <a:pPr>
+              <a:lnSpc>
+                <a:spcPct val="120000"/>
+              </a:lnSpc>
+            </a:pPr>
+            <a:endParaRPr lang="en-US" dirty="0">
+              <a:solidFill>
+                <a:srgbClr val="525252"/>
+              </a:solidFill>
+              <a:latin typeface="helvetica neue"/>
+            </a:endParaRPr>
+          </a:p>
+          <a:p>
+            <a:pPr marL="0" indent="0" algn="ctr">
+              <a:buNone/>
+            </a:pPr>
+            <a:endParaRPr lang="en-US" b="1" i="0" u="sng" dirty="0">
+              <a:solidFill>
+                <a:srgbClr val="525252"/>
+              </a:solidFill>
+              <a:effectLst/>
+              <a:latin typeface="helvetica neue"/>
+            </a:endParaRPr>
+          </a:p>
+        </p:txBody>
+      </p:sp>
+      <p:sp>
+        <p:nvSpPr>
+          <p:cNvPr id="9" name="Text Placeholder 8">
+            <a:extLst>
+              <a:ext uri="{FF2B5EF4-FFF2-40B4-BE49-F238E27FC236}">
+                <a16:creationId xmlns:a16="http://schemas.microsoft.com/office/drawing/2014/main" id="{3EAC07C5-DE77-40C4-B644-F3728792DD4B}"/>
+              </a:ext>
+            </a:extLst>
+          </p:cNvPr>
+          <p:cNvSpPr>
+            <a:spLocks noGrp="1"/>
+          </p:cNvSpPr>
+          <p:nvPr>
+            <p:ph type="body" sz="half" idx="2"/>
+          </p:nvPr>
+        </p:nvSpPr>
+        <p:spPr>
+          <a:xfrm>
+            <a:off x="8458200" y="1960536"/>
+            <a:ext cx="3161963" cy="3983064"/>
+          </a:xfrm>
+        </p:spPr>
+        <p:txBody>
+          <a:bodyPr/>
+          <a:lstStyle/>
+          <a:p>
+            <a:r>
+              <a:rPr lang="en-US" dirty="0"/>
+              <a:t>Flask </a:t>
+            </a:r>
+            <a:r>
+              <a:rPr lang="en-US" dirty="0" err="1"/>
+              <a:t>SQLAlchemy</a:t>
+            </a:r>
+            <a:endParaRPr lang="en-US" dirty="0"/>
+          </a:p>
+          <a:p>
+            <a:r>
+              <a:rPr lang="en-US" dirty="0"/>
+              <a:t>Base Layer</a:t>
+            </a:r>
+          </a:p>
+          <a:p>
+            <a:r>
+              <a:rPr lang="en-US" dirty="0"/>
+              <a:t>Radio Buttons</a:t>
+            </a:r>
+          </a:p>
+          <a:p>
+            <a:r>
+              <a:rPr lang="en-US" b="1" dirty="0"/>
+              <a:t>Check Boxes</a:t>
+            </a:r>
+          </a:p>
+          <a:p>
+            <a:endParaRPr lang="en-US" dirty="0"/>
           </a:p>
         </p:txBody>
       </p:sp>
     </p:spTree>
     <p:extLst>
       <p:ext uri="{BB962C8B-B14F-4D97-AF65-F5344CB8AC3E}">
-        <p14:creationId xmlns:p14="http://schemas.microsoft.com/office/powerpoint/2010/main" val="30977658"/>
+        <p14:creationId xmlns:p14="http://schemas.microsoft.com/office/powerpoint/2010/main" val="2173298093"/>
       </p:ext>
     </p:extLst>
   </p:cSld>
@@ -8263,6 +8593,64 @@
           <a:p>
             <a:r>
               <a:rPr lang="en-US" dirty="0"/>
+              <a:t>demonstration</a:t>
+            </a:r>
+          </a:p>
+        </p:txBody>
+      </p:sp>
+    </p:spTree>
+    <p:extLst>
+      <p:ext uri="{BB962C8B-B14F-4D97-AF65-F5344CB8AC3E}">
+        <p14:creationId xmlns:p14="http://schemas.microsoft.com/office/powerpoint/2010/main" val="30977658"/>
+      </p:ext>
+    </p:extLst>
+  </p:cSld>
+  <p:clrMapOvr>
+    <a:masterClrMapping/>
+  </p:clrMapOvr>
+</p:sld>
+</file>
+
+<file path=ppt/slides/slide15.xml><?xml version="1.0" encoding="utf-8"?>
+<p:sld xmlns:a="http://schemas.openxmlformats.org/drawingml/2006/main" xmlns:r="http://schemas.openxmlformats.org/officeDocument/2006/relationships" xmlns:p="http://schemas.openxmlformats.org/presentationml/2006/main">
+  <p:cSld>
+    <p:spTree>
+      <p:nvGrpSpPr>
+        <p:cNvPr id="1" name=""/>
+        <p:cNvGrpSpPr/>
+        <p:nvPr/>
+      </p:nvGrpSpPr>
+      <p:grpSpPr>
+        <a:xfrm>
+          <a:off x="0" y="0"/>
+          <a:ext cx="0" cy="0"/>
+          <a:chOff x="0" y="0"/>
+          <a:chExt cx="0" cy="0"/>
+        </a:xfrm>
+      </p:grpSpPr>
+      <p:sp>
+        <p:nvSpPr>
+          <p:cNvPr id="2" name="Title 1">
+            <a:extLst>
+              <a:ext uri="{FF2B5EF4-FFF2-40B4-BE49-F238E27FC236}">
+                <a16:creationId xmlns:a16="http://schemas.microsoft.com/office/drawing/2014/main" id="{991CBDD4-74A1-46F4-A896-05D945F96780}"/>
+              </a:ext>
+            </a:extLst>
+          </p:cNvPr>
+          <p:cNvSpPr>
+            <a:spLocks noGrp="1"/>
+          </p:cNvSpPr>
+          <p:nvPr>
+            <p:ph type="title"/>
+          </p:nvPr>
+        </p:nvSpPr>
+        <p:spPr/>
+        <p:txBody>
+          <a:bodyPr/>
+          <a:lstStyle/>
+          <a:p>
+            <a:r>
+              <a:rPr lang="en-US" dirty="0"/>
               <a:t>Next steps</a:t>
             </a:r>
           </a:p>
@@ -8281,7 +8669,7 @@
 </p:sld>
 </file>
 
-<file path=ppt/slides/slide15.xml><?xml version="1.0" encoding="utf-8"?>
+<file path=ppt/slides/slide16.xml><?xml version="1.0" encoding="utf-8"?>
 <p:sld xmlns:a="http://schemas.openxmlformats.org/drawingml/2006/main" xmlns:r="http://schemas.openxmlformats.org/officeDocument/2006/relationships" xmlns:p="http://schemas.openxmlformats.org/presentationml/2006/main">
   <p:cSld>
     <p:spTree>
@@ -8355,7 +8743,7 @@
         </p:spPr>
         <p:txBody>
           <a:bodyPr>
-            <a:normAutofit/>
+            <a:normAutofit fontScale="92500" lnSpcReduction="10000"/>
           </a:bodyPr>
           <a:lstStyle/>
           <a:p>
@@ -8397,11 +8785,66 @@
                 </a:solidFill>
                 <a:latin typeface="helvetica neue"/>
               </a:rPr>
-              <a:t>Find data sources that allow for the expansion of the years available for analysis</a:t>
-            </a:r>
-          </a:p>
-          <a:p>
-            <a:endParaRPr lang="en-US" b="1" dirty="0">
+              <a:t>Find data sources to increase the years available for analysis</a:t>
+            </a:r>
+          </a:p>
+          <a:p>
+            <a:r>
+              <a:rPr lang="en-US" dirty="0">
+                <a:solidFill>
+                  <a:srgbClr val="525252"/>
+                </a:solidFill>
+                <a:latin typeface="helvetica neue"/>
+              </a:rPr>
+              <a:t>If reducing years, take sampling of crimes after year reduction</a:t>
+            </a:r>
+          </a:p>
+          <a:p>
+            <a:r>
+              <a:rPr lang="en-US" dirty="0">
+                <a:solidFill>
+                  <a:srgbClr val="525252"/>
+                </a:solidFill>
+                <a:latin typeface="helvetica neue"/>
+              </a:rPr>
+              <a:t>Allow for use of all available crimes (remove sampling)</a:t>
+            </a:r>
+          </a:p>
+          <a:p>
+            <a:r>
+              <a:rPr lang="en-US" dirty="0">
+                <a:solidFill>
+                  <a:srgbClr val="525252"/>
+                </a:solidFill>
+                <a:latin typeface="helvetica neue"/>
+              </a:rPr>
+              <a:t>Refactor code to make it cleaner and less repetitive</a:t>
+            </a:r>
+          </a:p>
+          <a:p>
+            <a:r>
+              <a:rPr lang="en-US" dirty="0">
+                <a:solidFill>
+                  <a:srgbClr val="525252"/>
+                </a:solidFill>
+                <a:latin typeface="helvetica neue"/>
+              </a:rPr>
+              <a:t>Change choropleth layer to reflect different socio-economic measures (i.e. percent below poverty level)</a:t>
+            </a:r>
+          </a:p>
+          <a:p>
+            <a:r>
+              <a:rPr lang="en-US" dirty="0">
+                <a:solidFill>
+                  <a:srgbClr val="525252"/>
+                </a:solidFill>
+                <a:latin typeface="helvetica neue"/>
+              </a:rPr>
+              <a:t>Improve comparability of crimes between years by holding previously selected crimes fixed when a new year is chosen</a:t>
+            </a:r>
+          </a:p>
+          <a:p>
+            <a:endParaRPr lang="en-US" dirty="0">
               <a:solidFill>
                 <a:srgbClr val="525252"/>
               </a:solidFill>
@@ -8648,7 +9091,7 @@
           <a:p>
             <a:r>
               <a:rPr lang="en-US" dirty="0"/>
-              <a:t>Create a web-based application that allows users to visualize Chicago area crime data and local median income information year-by-year and for user selected crimes over an eight-year period</a:t>
+              <a:t>Create a web-based application that allows users to visualize annual local median income information overlaid with Chicago area crime data for user selected crimes from 2011 to 2018</a:t>
             </a:r>
           </a:p>
         </p:txBody>
@@ -9142,6 +9585,23 @@
                 <a:spcPct val="120000"/>
               </a:lnSpc>
             </a:pPr>
+            <a:r>
+              <a:rPr lang="en-US" dirty="0">
+                <a:solidFill>
+                  <a:srgbClr val="525252"/>
+                </a:solidFill>
+                <a:latin typeface="helvetica neue"/>
+              </a:rPr>
+              <a:t>Merged Geo Tracts and Median Income on “GEOID”. Created one data frame w/geography for tracts and median income</a:t>
+            </a:r>
+          </a:p>
+          <a:p>
+            <a:pPr marL="0" indent="0">
+              <a:lnSpc>
+                <a:spcPct val="120000"/>
+              </a:lnSpc>
+              <a:buNone/>
+            </a:pPr>
             <a:endParaRPr lang="en-US" dirty="0">
               <a:solidFill>
                 <a:srgbClr val="525252"/>
@@ -9324,7 +9784,7 @@
                 </a:solidFill>
                 <a:latin typeface="helvetica neue"/>
               </a:rPr>
-              <a:t>Merged Geo Tracts and Median Income on “GEOID”. Created one data frame w/geography for tracts and median income</a:t>
+              <a:t>Visualized the merged data in R with Leaflet</a:t>
             </a:r>
           </a:p>
           <a:p>
@@ -9335,7 +9795,7 @@
                 </a:solidFill>
                 <a:latin typeface="helvetica neue"/>
               </a:rPr>
-              <a:t>Visualized the merged data in R with Leaflet and exported as </a:t>
+              <a:t>Exported merged data to </a:t>
             </a:r>
             <a:r>
               <a:rPr lang="en-US" dirty="0" err="1">
@@ -9346,6 +9806,32 @@
               </a:rPr>
               <a:t>GeoJSON</a:t>
             </a:r>
+            <a:r>
+              <a:rPr lang="en-US" dirty="0">
+                <a:solidFill>
+                  <a:srgbClr val="525252"/>
+                </a:solidFill>
+                <a:latin typeface="helvetica neue"/>
+              </a:rPr>
+              <a:t> files to be used for populating the web site through </a:t>
+            </a:r>
+            <a:r>
+              <a:rPr lang="en-US" dirty="0" err="1">
+                <a:solidFill>
+                  <a:srgbClr val="525252"/>
+                </a:solidFill>
+                <a:latin typeface="helvetica neue"/>
+              </a:rPr>
+              <a:t>Javascript</a:t>
+            </a:r>
+            <a:endParaRPr lang="en-US" dirty="0">
+              <a:solidFill>
+                <a:srgbClr val="525252"/>
+              </a:solidFill>
+              <a:latin typeface="helvetica neue"/>
+            </a:endParaRPr>
+          </a:p>
+          <a:p>
             <a:endParaRPr lang="en-US" dirty="0">
               <a:solidFill>
                 <a:srgbClr val="525252"/>
@@ -9470,8 +9956,8 @@
         </p:blipFill>
         <p:spPr>
           <a:xfrm>
-            <a:off x="2071709" y="2293414"/>
-            <a:ext cx="4413075" cy="4060891"/>
+            <a:off x="1815990" y="1991203"/>
+            <a:ext cx="4867813" cy="4479339"/>
           </a:xfrm>
           <a:prstGeom prst="rect">
             <a:avLst/>
@@ -9565,7 +10051,7 @@
         </p:spPr>
         <p:txBody>
           <a:bodyPr>
-            <a:normAutofit fontScale="85000" lnSpcReduction="20000"/>
+            <a:normAutofit fontScale="70000" lnSpcReduction="20000"/>
           </a:bodyPr>
           <a:lstStyle/>
           <a:p>
@@ -9596,7 +10082,7 @@
                 </a:solidFill>
                 <a:latin typeface="helvetica neue"/>
               </a:rPr>
-              <a:t>Researched sites to find crime data for the Chicago MSA</a:t>
+              <a:t>Researched sites to find crime data for the Chicago area</a:t>
             </a:r>
           </a:p>
           <a:p>
@@ -9618,7 +10104,18 @@
                 </a:solidFill>
                 <a:latin typeface="helvetica neue"/>
               </a:rPr>
-              <a:t>Utilizing Python, narrowed data set to include a random sampling of 700,000 criminal events over the 20-year period</a:t>
+              <a:t>Utilizing Python, narrowed data set to include a random sampling of 500,000 criminal events over the 20-year period</a:t>
+            </a:r>
+          </a:p>
+          <a:p>
+            <a:r>
+              <a:rPr lang="en-US" dirty="0">
+                <a:solidFill>
+                  <a:srgbClr val="525252"/>
+                </a:solidFill>
+                <a:latin typeface="helvetica neue"/>
+              </a:rPr>
+              <a:t>In analyzing median income data, after noticing inconsistencies in data prior to 2011, restricted information to the period from 2011 to 2018</a:t>
             </a:r>
           </a:p>
           <a:p>
@@ -10431,21 +10928,21 @@
 </file>
 
 <file path=customXml/item2.xml><?xml version="1.0" encoding="utf-8"?>
+<p:properties xmlns:p="http://schemas.microsoft.com/office/2006/metadata/properties" xmlns:xsi="http://www.w3.org/2001/XMLSchema-instance" xmlns:pc="http://schemas.microsoft.com/office/infopath/2007/PartnerControls">
+  <documentManagement>
+    <Status xmlns="71af3243-3dd4-4a8d-8c0d-dd76da1f02a5">Not started</Status>
+    <MediaServiceKeyPoints xmlns="71af3243-3dd4-4a8d-8c0d-dd76da1f02a5" xsi:nil="true"/>
+  </documentManagement>
+</p:properties>
+</file>
+
+<file path=customXml/item3.xml><?xml version="1.0" encoding="utf-8"?>
 <?mso-contentType ?>
 <FormTemplates xmlns="http://schemas.microsoft.com/sharepoint/v3/contenttype/forms">
   <Display>DocumentLibraryForm</Display>
   <Edit>DocumentLibraryForm</Edit>
   <New>DocumentLibraryForm</New>
 </FormTemplates>
-</file>
-
-<file path=customXml/item3.xml><?xml version="1.0" encoding="utf-8"?>
-<p:properties xmlns:p="http://schemas.microsoft.com/office/2006/metadata/properties" xmlns:xsi="http://www.w3.org/2001/XMLSchema-instance" xmlns:pc="http://schemas.microsoft.com/office/infopath/2007/PartnerControls">
-  <documentManagement>
-    <Status xmlns="71af3243-3dd4-4a8d-8c0d-dd76da1f02a5">Not started</Status>
-    <MediaServiceKeyPoints xmlns="71af3243-3dd4-4a8d-8c0d-dd76da1f02a5" xsi:nil="true"/>
-  </documentManagement>
-</p:properties>
 </file>
 
 <file path=customXml/itemProps1.xml><?xml version="1.0" encoding="utf-8"?>
@@ -10468,14 +10965,6 @@
 </file>
 
 <file path=customXml/itemProps2.xml><?xml version="1.0" encoding="utf-8"?>
-<ds:datastoreItem xmlns:ds="http://schemas.openxmlformats.org/officeDocument/2006/customXml" ds:itemID="{CDB58277-F8DF-46FF-84EC-EF41B835E69F}">
-  <ds:schemaRefs>
-    <ds:schemaRef ds:uri="http://schemas.microsoft.com/sharepoint/v3/contenttype/forms"/>
-  </ds:schemaRefs>
-</ds:datastoreItem>
-</file>
-
-<file path=customXml/itemProps3.xml><?xml version="1.0" encoding="utf-8"?>
 <ds:datastoreItem xmlns:ds="http://schemas.openxmlformats.org/officeDocument/2006/customXml" ds:itemID="{137651BA-F45C-4845-9AB3-E0A65B39F5E1}">
   <ds:schemaRefs>
     <ds:schemaRef ds:uri="http://schemas.microsoft.com/office/2006/metadata/properties"/>
@@ -10483,4 +10972,12 @@
     <ds:schemaRef ds:uri="71af3243-3dd4-4a8d-8c0d-dd76da1f02a5"/>
   </ds:schemaRefs>
 </ds:datastoreItem>
+</file>
+
+<file path=customXml/itemProps3.xml><?xml version="1.0" encoding="utf-8"?>
+<ds:datastoreItem xmlns:ds="http://schemas.openxmlformats.org/officeDocument/2006/customXml" ds:itemID="{CDB58277-F8DF-46FF-84EC-EF41B835E69F}">
+  <ds:schemaRefs>
+    <ds:schemaRef ds:uri="http://schemas.microsoft.com/sharepoint/v3/contenttype/forms"/>
+  </ds:schemaRefs>
+</ds:datastoreItem>
 </file>
--- a/Files/Project_II.pptx
+++ b/Files/Project_II.pptx
@@ -3608,7 +3608,7 @@
           <a:p>
             <a:fld id="{EA0C0817-A112-4847-8014-A94B7D2A4EA3}" type="datetime1">
               <a:rPr lang="en-US" smtClean="0"/>
-              <a:t>7/14/2020</a:t>
+              <a:t>7/15/2020</a:t>
             </a:fld>
             <a:endParaRPr lang="en-US" dirty="0"/>
           </a:p>
@@ -3810,7 +3810,7 @@
           <a:p>
             <a:fld id="{7332B432-ACDA-4023-A761-2BAB76577B62}" type="datetime1">
               <a:rPr lang="en-US" smtClean="0"/>
-              <a:t>7/14/2020</a:t>
+              <a:t>7/15/2020</a:t>
             </a:fld>
             <a:endParaRPr lang="en-US" dirty="0"/>
           </a:p>
@@ -4409,7 +4409,7 @@
           <a:p>
             <a:fld id="{D9C646AA-F36E-4540-911D-FFFC0A0EF24A}" type="datetime1">
               <a:rPr lang="en-US" smtClean="0"/>
-              <a:t>7/14/2020</a:t>
+              <a:t>7/15/2020</a:t>
             </a:fld>
             <a:endParaRPr lang="en-US" dirty="0"/>
           </a:p>
@@ -4729,7 +4729,7 @@
           <a:p>
             <a:fld id="{69186D26-FA5F-4637-B602-B7C2DC34CFD4}" type="datetime1">
               <a:rPr lang="en-US" smtClean="0"/>
-              <a:t>7/14/2020</a:t>
+              <a:t>7/15/2020</a:t>
             </a:fld>
             <a:endParaRPr lang="en-US" dirty="0"/>
           </a:p>
@@ -5166,7 +5166,7 @@
           <a:p>
             <a:fld id="{8A7F15D8-96D1-4781-BC50-CA8A088B2FE4}" type="datetime1">
               <a:rPr lang="en-US" smtClean="0"/>
-              <a:t>7/14/2020</a:t>
+              <a:t>7/15/2020</a:t>
             </a:fld>
             <a:endParaRPr lang="en-US" dirty="0"/>
           </a:p>
@@ -5284,7 +5284,7 @@
           <a:p>
             <a:fld id="{F9A96C99-B8F8-4528-BD05-0E16E943DC09}" type="datetime1">
               <a:rPr lang="en-US" smtClean="0"/>
-              <a:t>7/14/2020</a:t>
+              <a:t>7/15/2020</a:t>
             </a:fld>
             <a:endParaRPr lang="en-US" dirty="0"/>
           </a:p>
@@ -5379,7 +5379,7 @@
           <a:p>
             <a:fld id="{03636942-C211-4B28-8DBD-C953E00AF71B}" type="datetime1">
               <a:rPr lang="en-US" smtClean="0"/>
-              <a:t>7/14/2020</a:t>
+              <a:t>7/15/2020</a:t>
             </a:fld>
             <a:endParaRPr lang="en-US" dirty="0"/>
           </a:p>
@@ -5796,7 +5796,7 @@
           <a:p>
             <a:fld id="{7E8D12A6-918A-48BD-8CB9-CA713993B0EA}" type="datetime1">
               <a:rPr lang="en-US" smtClean="0"/>
-              <a:t>7/14/2020</a:t>
+              <a:t>7/15/2020</a:t>
             </a:fld>
             <a:endParaRPr lang="en-US" dirty="0"/>
           </a:p>
@@ -6058,7 +6058,7 @@
             <a:fld id="{E778CE86-875F-4587-BCF6-FA054AFC0D53}" type="datetime1">
               <a:rPr lang="en-US" smtClean="0"/>
               <a:pPr/>
-              <a:t>7/14/2020</a:t>
+              <a:t>7/15/2020</a:t>
             </a:fld>
             <a:endParaRPr lang="en-US" dirty="0"/>
           </a:p>
@@ -6574,7 +6574,7 @@
           <a:p>
             <a:fld id="{F6FA2B21-3FCD-4721-B95C-427943F61125}" type="datetime1">
               <a:rPr lang="en-US" smtClean="0"/>
-              <a:t>7/14/2020</a:t>
+              <a:t>7/15/2020</a:t>
             </a:fld>
             <a:endParaRPr lang="en-US" dirty="0"/>
           </a:p>
@@ -8002,6 +8002,36 @@
           </a:p>
         </p:txBody>
       </p:sp>
+      <p:pic>
+        <p:nvPicPr>
+          <p:cNvPr id="5" name="Picture 4">
+            <a:extLst>
+              <a:ext uri="{FF2B5EF4-FFF2-40B4-BE49-F238E27FC236}">
+                <a16:creationId xmlns:a16="http://schemas.microsoft.com/office/drawing/2014/main" id="{E761A7D4-7A3C-4367-B429-04815AF78E0E}"/>
+              </a:ext>
+            </a:extLst>
+          </p:cNvPr>
+          <p:cNvPicPr>
+            <a:picLocks noChangeAspect="1"/>
+          </p:cNvPicPr>
+          <p:nvPr/>
+        </p:nvPicPr>
+        <p:blipFill>
+          <a:blip r:embed="rId2"/>
+          <a:stretch>
+            <a:fillRect/>
+          </a:stretch>
+        </p:blipFill>
+        <p:spPr>
+          <a:xfrm>
+            <a:off x="2372268" y="4456966"/>
+            <a:ext cx="3371429" cy="1276190"/>
+          </a:xfrm>
+          <a:prstGeom prst="rect">
+            <a:avLst/>
+          </a:prstGeom>
+        </p:spPr>
+      </p:pic>
     </p:spTree>
     <p:extLst>
       <p:ext uri="{BB962C8B-B14F-4D97-AF65-F5344CB8AC3E}">
@@ -8262,6 +8292,36 @@
           </a:p>
         </p:txBody>
       </p:sp>
+      <p:pic>
+        <p:nvPicPr>
+          <p:cNvPr id="5" name="Picture 4">
+            <a:extLst>
+              <a:ext uri="{FF2B5EF4-FFF2-40B4-BE49-F238E27FC236}">
+                <a16:creationId xmlns:a16="http://schemas.microsoft.com/office/drawing/2014/main" id="{7109742E-4168-4660-92E1-C2BC8A29296A}"/>
+              </a:ext>
+            </a:extLst>
+          </p:cNvPr>
+          <p:cNvPicPr>
+            <a:picLocks noChangeAspect="1"/>
+          </p:cNvPicPr>
+          <p:nvPr/>
+        </p:nvPicPr>
+        <p:blipFill>
+          <a:blip r:embed="rId2"/>
+          <a:stretch>
+            <a:fillRect/>
+          </a:stretch>
+        </p:blipFill>
+        <p:spPr>
+          <a:xfrm>
+            <a:off x="615122" y="4357563"/>
+            <a:ext cx="6885714" cy="638095"/>
+          </a:xfrm>
+          <a:prstGeom prst="rect">
+            <a:avLst/>
+          </a:prstGeom>
+        </p:spPr>
+      </p:pic>
     </p:spTree>
     <p:extLst>
       <p:ext uri="{BB962C8B-B14F-4D97-AF65-F5344CB8AC3E}">
@@ -8540,6 +8600,36 @@
           </a:p>
         </p:txBody>
       </p:sp>
+      <p:pic>
+        <p:nvPicPr>
+          <p:cNvPr id="3" name="Picture 2">
+            <a:extLst>
+              <a:ext uri="{FF2B5EF4-FFF2-40B4-BE49-F238E27FC236}">
+                <a16:creationId xmlns:a16="http://schemas.microsoft.com/office/drawing/2014/main" id="{6BD18790-E6BD-4910-AC25-86422EA4BB00}"/>
+              </a:ext>
+            </a:extLst>
+          </p:cNvPr>
+          <p:cNvPicPr>
+            <a:picLocks noChangeAspect="1"/>
+          </p:cNvPicPr>
+          <p:nvPr/>
+        </p:nvPicPr>
+        <p:blipFill>
+          <a:blip r:embed="rId2"/>
+          <a:stretch>
+            <a:fillRect/>
+          </a:stretch>
+        </p:blipFill>
+        <p:spPr>
+          <a:xfrm>
+            <a:off x="2988532" y="4092314"/>
+            <a:ext cx="1952898" cy="1819529"/>
+          </a:xfrm>
+          <a:prstGeom prst="rect">
+            <a:avLst/>
+          </a:prstGeom>
+        </p:spPr>
+      </p:pic>
     </p:spTree>
     <p:extLst>
       <p:ext uri="{BB962C8B-B14F-4D97-AF65-F5344CB8AC3E}">
@@ -10928,21 +11018,21 @@
 </file>
 
 <file path=customXml/item2.xml><?xml version="1.0" encoding="utf-8"?>
+<?mso-contentType ?>
+<FormTemplates xmlns="http://schemas.microsoft.com/sharepoint/v3/contenttype/forms">
+  <Display>DocumentLibraryForm</Display>
+  <Edit>DocumentLibraryForm</Edit>
+  <New>DocumentLibraryForm</New>
+</FormTemplates>
+</file>
+
+<file path=customXml/item3.xml><?xml version="1.0" encoding="utf-8"?>
 <p:properties xmlns:p="http://schemas.microsoft.com/office/2006/metadata/properties" xmlns:xsi="http://www.w3.org/2001/XMLSchema-instance" xmlns:pc="http://schemas.microsoft.com/office/infopath/2007/PartnerControls">
   <documentManagement>
     <Status xmlns="71af3243-3dd4-4a8d-8c0d-dd76da1f02a5">Not started</Status>
     <MediaServiceKeyPoints xmlns="71af3243-3dd4-4a8d-8c0d-dd76da1f02a5" xsi:nil="true"/>
   </documentManagement>
 </p:properties>
-</file>
-
-<file path=customXml/item3.xml><?xml version="1.0" encoding="utf-8"?>
-<?mso-contentType ?>
-<FormTemplates xmlns="http://schemas.microsoft.com/sharepoint/v3/contenttype/forms">
-  <Display>DocumentLibraryForm</Display>
-  <Edit>DocumentLibraryForm</Edit>
-  <New>DocumentLibraryForm</New>
-</FormTemplates>
 </file>
 
 <file path=customXml/itemProps1.xml><?xml version="1.0" encoding="utf-8"?>
@@ -10965,6 +11055,14 @@
 </file>
 
 <file path=customXml/itemProps2.xml><?xml version="1.0" encoding="utf-8"?>
+<ds:datastoreItem xmlns:ds="http://schemas.openxmlformats.org/officeDocument/2006/customXml" ds:itemID="{CDB58277-F8DF-46FF-84EC-EF41B835E69F}">
+  <ds:schemaRefs>
+    <ds:schemaRef ds:uri="http://schemas.microsoft.com/sharepoint/v3/contenttype/forms"/>
+  </ds:schemaRefs>
+</ds:datastoreItem>
+</file>
+
+<file path=customXml/itemProps3.xml><?xml version="1.0" encoding="utf-8"?>
 <ds:datastoreItem xmlns:ds="http://schemas.openxmlformats.org/officeDocument/2006/customXml" ds:itemID="{137651BA-F45C-4845-9AB3-E0A65B39F5E1}">
   <ds:schemaRefs>
     <ds:schemaRef ds:uri="http://schemas.microsoft.com/office/2006/metadata/properties"/>
@@ -10972,12 +11070,4 @@
     <ds:schemaRef ds:uri="71af3243-3dd4-4a8d-8c0d-dd76da1f02a5"/>
   </ds:schemaRefs>
 </ds:datastoreItem>
-</file>
-
-<file path=customXml/itemProps3.xml><?xml version="1.0" encoding="utf-8"?>
-<ds:datastoreItem xmlns:ds="http://schemas.openxmlformats.org/officeDocument/2006/customXml" ds:itemID="{CDB58277-F8DF-46FF-84EC-EF41B835E69F}">
-  <ds:schemaRefs>
-    <ds:schemaRef ds:uri="http://schemas.microsoft.com/sharepoint/v3/contenttype/forms"/>
-  </ds:schemaRefs>
-</ds:datastoreItem>
 </file>
--- a/Files/Project_II.pptx
+++ b/Files/Project_II.pptx
@@ -8024,8 +8024,38 @@
         </p:blipFill>
         <p:spPr>
           <a:xfrm>
-            <a:off x="2372268" y="4456966"/>
+            <a:off x="605460" y="4418221"/>
             <a:ext cx="3371429" cy="1276190"/>
+          </a:xfrm>
+          <a:prstGeom prst="rect">
+            <a:avLst/>
+          </a:prstGeom>
+        </p:spPr>
+      </p:pic>
+      <p:pic>
+        <p:nvPicPr>
+          <p:cNvPr id="3" name="Picture 2">
+            <a:extLst>
+              <a:ext uri="{FF2B5EF4-FFF2-40B4-BE49-F238E27FC236}">
+                <a16:creationId xmlns:a16="http://schemas.microsoft.com/office/drawing/2014/main" id="{53AF0262-59C0-4255-AE2A-26D384B0DF45}"/>
+              </a:ext>
+            </a:extLst>
+          </p:cNvPr>
+          <p:cNvPicPr>
+            <a:picLocks noChangeAspect="1"/>
+          </p:cNvPicPr>
+          <p:nvPr/>
+        </p:nvPicPr>
+        <p:blipFill>
+          <a:blip r:embed="rId3"/>
+          <a:stretch>
+            <a:fillRect/>
+          </a:stretch>
+        </p:blipFill>
+        <p:spPr>
+          <a:xfrm>
+            <a:off x="4297598" y="4153124"/>
+            <a:ext cx="3333333" cy="1790476"/>
           </a:xfrm>
           <a:prstGeom prst="rect">
             <a:avLst/>
@@ -9323,10 +9353,15 @@
             <p:ph idx="1"/>
           </p:nvPr>
         </p:nvSpPr>
-        <p:spPr/>
+        <p:spPr>
+          <a:xfrm>
+            <a:off x="685800" y="609600"/>
+            <a:ext cx="3320512" cy="5334000"/>
+          </a:xfrm>
+        </p:spPr>
         <p:txBody>
           <a:bodyPr>
-            <a:normAutofit/>
+            <a:normAutofit lnSpcReduction="10000"/>
           </a:bodyPr>
           <a:lstStyle/>
           <a:p>
@@ -9472,7 +9507,7 @@
           <a:p>
             <a:r>
               <a:rPr lang="en-US" dirty="0"/>
-              <a:t>Crime Data</a:t>
+              <a:t>Merged Data</a:t>
             </a:r>
           </a:p>
           <a:p>
@@ -9486,6 +9521,36 @@
           </a:p>
         </p:txBody>
       </p:sp>
+      <p:pic>
+        <p:nvPicPr>
+          <p:cNvPr id="4" name="Picture 3">
+            <a:extLst>
+              <a:ext uri="{FF2B5EF4-FFF2-40B4-BE49-F238E27FC236}">
+                <a16:creationId xmlns:a16="http://schemas.microsoft.com/office/drawing/2014/main" id="{5E767EEA-AB57-4718-A1B4-87CAB5B9B39E}"/>
+              </a:ext>
+            </a:extLst>
+          </p:cNvPr>
+          <p:cNvPicPr>
+            <a:picLocks noChangeAspect="1"/>
+          </p:cNvPicPr>
+          <p:nvPr/>
+        </p:nvPicPr>
+        <p:blipFill>
+          <a:blip r:embed="rId2"/>
+          <a:stretch>
+            <a:fillRect/>
+          </a:stretch>
+        </p:blipFill>
+        <p:spPr>
+          <a:xfrm>
+            <a:off x="4006312" y="1083591"/>
+            <a:ext cx="4094601" cy="4897464"/>
+          </a:xfrm>
+          <a:prstGeom prst="rect">
+            <a:avLst/>
+          </a:prstGeom>
+        </p:spPr>
+      </p:pic>
     </p:spTree>
     <p:extLst>
       <p:ext uri="{BB962C8B-B14F-4D97-AF65-F5344CB8AC3E}">
@@ -9753,7 +9818,7 @@
           <a:p>
             <a:r>
               <a:rPr lang="en-US" dirty="0"/>
-              <a:t>Crime Data</a:t>
+              <a:t>Merged Data</a:t>
             </a:r>
           </a:p>
           <a:p>
@@ -11018,21 +11083,21 @@
 </file>
 
 <file path=customXml/item2.xml><?xml version="1.0" encoding="utf-8"?>
+<p:properties xmlns:p="http://schemas.microsoft.com/office/2006/metadata/properties" xmlns:xsi="http://www.w3.org/2001/XMLSchema-instance" xmlns:pc="http://schemas.microsoft.com/office/infopath/2007/PartnerControls">
+  <documentManagement>
+    <Status xmlns="71af3243-3dd4-4a8d-8c0d-dd76da1f02a5">Not started</Status>
+    <MediaServiceKeyPoints xmlns="71af3243-3dd4-4a8d-8c0d-dd76da1f02a5" xsi:nil="true"/>
+  </documentManagement>
+</p:properties>
+</file>
+
+<file path=customXml/item3.xml><?xml version="1.0" encoding="utf-8"?>
 <?mso-contentType ?>
 <FormTemplates xmlns="http://schemas.microsoft.com/sharepoint/v3/contenttype/forms">
   <Display>DocumentLibraryForm</Display>
   <Edit>DocumentLibraryForm</Edit>
   <New>DocumentLibraryForm</New>
 </FormTemplates>
-</file>
-
-<file path=customXml/item3.xml><?xml version="1.0" encoding="utf-8"?>
-<p:properties xmlns:p="http://schemas.microsoft.com/office/2006/metadata/properties" xmlns:xsi="http://www.w3.org/2001/XMLSchema-instance" xmlns:pc="http://schemas.microsoft.com/office/infopath/2007/PartnerControls">
-  <documentManagement>
-    <Status xmlns="71af3243-3dd4-4a8d-8c0d-dd76da1f02a5">Not started</Status>
-    <MediaServiceKeyPoints xmlns="71af3243-3dd4-4a8d-8c0d-dd76da1f02a5" xsi:nil="true"/>
-  </documentManagement>
-</p:properties>
 </file>
 
 <file path=customXml/itemProps1.xml><?xml version="1.0" encoding="utf-8"?>
@@ -11055,14 +11120,6 @@
 </file>
 
 <file path=customXml/itemProps2.xml><?xml version="1.0" encoding="utf-8"?>
-<ds:datastoreItem xmlns:ds="http://schemas.openxmlformats.org/officeDocument/2006/customXml" ds:itemID="{CDB58277-F8DF-46FF-84EC-EF41B835E69F}">
-  <ds:schemaRefs>
-    <ds:schemaRef ds:uri="http://schemas.microsoft.com/sharepoint/v3/contenttype/forms"/>
-  </ds:schemaRefs>
-</ds:datastoreItem>
-</file>
-
-<file path=customXml/itemProps3.xml><?xml version="1.0" encoding="utf-8"?>
 <ds:datastoreItem xmlns:ds="http://schemas.openxmlformats.org/officeDocument/2006/customXml" ds:itemID="{137651BA-F45C-4845-9AB3-E0A65B39F5E1}">
   <ds:schemaRefs>
     <ds:schemaRef ds:uri="http://schemas.microsoft.com/office/2006/metadata/properties"/>
@@ -11070,4 +11127,12 @@
     <ds:schemaRef ds:uri="71af3243-3dd4-4a8d-8c0d-dd76da1f02a5"/>
   </ds:schemaRefs>
 </ds:datastoreItem>
+</file>
+
+<file path=customXml/itemProps3.xml><?xml version="1.0" encoding="utf-8"?>
+<ds:datastoreItem xmlns:ds="http://schemas.openxmlformats.org/officeDocument/2006/customXml" ds:itemID="{CDB58277-F8DF-46FF-84EC-EF41B835E69F}">
+  <ds:schemaRefs>
+    <ds:schemaRef ds:uri="http://schemas.microsoft.com/sharepoint/v3/contenttype/forms"/>
+  </ds:schemaRefs>
+</ds:datastoreItem>
 </file>